--- a/outputs/PPT/jsszyy.pptxgen.pptx
+++ b/outputs/PPT/jsszyy.pptxgen.pptx
@@ -148,7 +148,36 @@
 <c:chartSpace xmlns:c="http://schemas.openxmlformats.org/drawingml/2006/chart" xmlns:a="http://schemas.openxmlformats.org/drawingml/2006/main" xmlns:r="http://schemas.openxmlformats.org/officeDocument/2006/relationships">
   <c:date1904 val="0"/>
   <c:chart>
-    <c:autoTitleDeleted val="1"/>
+    <c:title>
+      <c:tx>
+        <c:rich>
+          <a:bodyPr/>
+          <a:lstStyle/>
+          <a:p>
+            <a:pPr>
+              <a:defRPr sz="1800" b="0" i="0" u="none" strike="noStrike">
+                <a:solidFill>
+                  <a:srgbClr val="000000"/>
+                </a:solidFill>
+                <a:latin typeface="Arial"/>
+              </a:defRPr>
+            </a:pPr>
+            <a:r>
+              <a:rPr sz="1800" b="0" i="0" u="none" strike="noStrike">
+                <a:solidFill>
+                  <a:srgbClr val="000000"/>
+                </a:solidFill>
+                <a:latin typeface="Arial"/>
+              </a:rPr>
+              <a:t>儿内科</a:t>
+            </a:r>
+          </a:p>
+        </c:rich>
+      </c:tx>
+      <c:layout/>
+      <c:overlay val="0"/>
+    </c:title>
+    <c:autoTitleDeleted val="0"/>
     <c:plotArea>
       <c:layout/>
       <c:radarChart>
@@ -434,7 +463,36 @@
 <c:chartSpace xmlns:c="http://schemas.openxmlformats.org/drawingml/2006/chart" xmlns:a="http://schemas.openxmlformats.org/drawingml/2006/main" xmlns:r="http://schemas.openxmlformats.org/officeDocument/2006/relationships">
   <c:date1904 val="0"/>
   <c:chart>
-    <c:autoTitleDeleted val="1"/>
+    <c:title>
+      <c:tx>
+        <c:rich>
+          <a:bodyPr/>
+          <a:lstStyle/>
+          <a:p>
+            <a:pPr>
+              <a:defRPr sz="1800" b="0" i="0" u="none" strike="noStrike">
+                <a:solidFill>
+                  <a:srgbClr val="000000"/>
+                </a:solidFill>
+                <a:latin typeface="Arial"/>
+              </a:defRPr>
+            </a:pPr>
+            <a:r>
+              <a:rPr sz="1800" b="0" i="0" u="none" strike="noStrike">
+                <a:solidFill>
+                  <a:srgbClr val="000000"/>
+                </a:solidFill>
+                <a:latin typeface="Arial"/>
+              </a:rPr>
+              <a:t>呼吸内科</a:t>
+            </a:r>
+          </a:p>
+        </c:rich>
+      </c:tx>
+      <c:layout/>
+      <c:overlay val="0"/>
+    </c:title>
+    <c:autoTitleDeleted val="0"/>
     <c:plotArea>
       <c:layout/>
       <c:radarChart>
@@ -720,7 +778,36 @@
 <c:chartSpace xmlns:c="http://schemas.openxmlformats.org/drawingml/2006/chart" xmlns:a="http://schemas.openxmlformats.org/drawingml/2006/main" xmlns:r="http://schemas.openxmlformats.org/officeDocument/2006/relationships">
   <c:date1904 val="0"/>
   <c:chart>
-    <c:autoTitleDeleted val="1"/>
+    <c:title>
+      <c:tx>
+        <c:rich>
+          <a:bodyPr/>
+          <a:lstStyle/>
+          <a:p>
+            <a:pPr>
+              <a:defRPr sz="1800" b="0" i="0" u="none" strike="noStrike">
+                <a:solidFill>
+                  <a:srgbClr val="000000"/>
+                </a:solidFill>
+                <a:latin typeface="Arial"/>
+              </a:defRPr>
+            </a:pPr>
+            <a:r>
+              <a:rPr sz="1800" b="0" i="0" u="none" strike="noStrike">
+                <a:solidFill>
+                  <a:srgbClr val="000000"/>
+                </a:solidFill>
+                <a:latin typeface="Arial"/>
+              </a:rPr>
+              <a:t>急诊科</a:t>
+            </a:r>
+          </a:p>
+        </c:rich>
+      </c:tx>
+      <c:layout/>
+      <c:overlay val="0"/>
+    </c:title>
+    <c:autoTitleDeleted val="0"/>
     <c:plotArea>
       <c:layout/>
       <c:radarChart>
@@ -1006,7 +1093,36 @@
 <c:chartSpace xmlns:c="http://schemas.openxmlformats.org/drawingml/2006/chart" xmlns:a="http://schemas.openxmlformats.org/drawingml/2006/main" xmlns:r="http://schemas.openxmlformats.org/officeDocument/2006/relationships">
   <c:date1904 val="0"/>
   <c:chart>
-    <c:autoTitleDeleted val="1"/>
+    <c:title>
+      <c:tx>
+        <c:rich>
+          <a:bodyPr/>
+          <a:lstStyle/>
+          <a:p>
+            <a:pPr>
+              <a:defRPr sz="1800" b="0" i="0" u="none" strike="noStrike">
+                <a:solidFill>
+                  <a:srgbClr val="000000"/>
+                </a:solidFill>
+                <a:latin typeface="Arial"/>
+              </a:defRPr>
+            </a:pPr>
+            <a:r>
+              <a:rPr sz="1800" b="0" i="0" u="none" strike="noStrike">
+                <a:solidFill>
+                  <a:srgbClr val="000000"/>
+                </a:solidFill>
+                <a:latin typeface="Arial"/>
+              </a:rPr>
+              <a:t>口腔科</a:t>
+            </a:r>
+          </a:p>
+        </c:rich>
+      </c:tx>
+      <c:layout/>
+      <c:overlay val="0"/>
+    </c:title>
+    <c:autoTitleDeleted val="0"/>
     <c:plotArea>
       <c:layout/>
       <c:radarChart>
@@ -1292,7 +1408,36 @@
 <c:chartSpace xmlns:c="http://schemas.openxmlformats.org/drawingml/2006/chart" xmlns:a="http://schemas.openxmlformats.org/drawingml/2006/main" xmlns:r="http://schemas.openxmlformats.org/officeDocument/2006/relationships">
   <c:date1904 val="0"/>
   <c:chart>
-    <c:autoTitleDeleted val="1"/>
+    <c:title>
+      <c:tx>
+        <c:rich>
+          <a:bodyPr/>
+          <a:lstStyle/>
+          <a:p>
+            <a:pPr>
+              <a:defRPr sz="1800" b="0" i="0" u="none" strike="noStrike">
+                <a:solidFill>
+                  <a:srgbClr val="000000"/>
+                </a:solidFill>
+                <a:latin typeface="Arial"/>
+              </a:defRPr>
+            </a:pPr>
+            <a:r>
+              <a:rPr sz="1800" b="0" i="0" u="none" strike="noStrike">
+                <a:solidFill>
+                  <a:srgbClr val="000000"/>
+                </a:solidFill>
+                <a:latin typeface="Arial"/>
+              </a:rPr>
+              <a:t>老年医学科</a:t>
+            </a:r>
+          </a:p>
+        </c:rich>
+      </c:tx>
+      <c:layout/>
+      <c:overlay val="0"/>
+    </c:title>
+    <c:autoTitleDeleted val="0"/>
     <c:plotArea>
       <c:layout/>
       <c:radarChart>
@@ -1578,7 +1723,36 @@
 <c:chartSpace xmlns:c="http://schemas.openxmlformats.org/drawingml/2006/chart" xmlns:a="http://schemas.openxmlformats.org/drawingml/2006/main" xmlns:r="http://schemas.openxmlformats.org/officeDocument/2006/relationships">
   <c:date1904 val="0"/>
   <c:chart>
-    <c:autoTitleDeleted val="1"/>
+    <c:title>
+      <c:tx>
+        <c:rich>
+          <a:bodyPr/>
+          <a:lstStyle/>
+          <a:p>
+            <a:pPr>
+              <a:defRPr sz="1800" b="0" i="0" u="none" strike="noStrike">
+                <a:solidFill>
+                  <a:srgbClr val="000000"/>
+                </a:solidFill>
+                <a:latin typeface="Arial"/>
+              </a:defRPr>
+            </a:pPr>
+            <a:r>
+              <a:rPr sz="1800" b="0" i="0" u="none" strike="noStrike">
+                <a:solidFill>
+                  <a:srgbClr val="000000"/>
+                </a:solidFill>
+                <a:latin typeface="Arial"/>
+              </a:rPr>
+              <a:t>麻醉科</a:t>
+            </a:r>
+          </a:p>
+        </c:rich>
+      </c:tx>
+      <c:layout/>
+      <c:overlay val="0"/>
+    </c:title>
+    <c:autoTitleDeleted val="0"/>
     <c:plotArea>
       <c:layout/>
       <c:radarChart>
@@ -1864,7 +2038,36 @@
 <c:chartSpace xmlns:c="http://schemas.openxmlformats.org/drawingml/2006/chart" xmlns:a="http://schemas.openxmlformats.org/drawingml/2006/main" xmlns:r="http://schemas.openxmlformats.org/officeDocument/2006/relationships">
   <c:date1904 val="0"/>
   <c:chart>
-    <c:autoTitleDeleted val="1"/>
+    <c:title>
+      <c:tx>
+        <c:rich>
+          <a:bodyPr/>
+          <a:lstStyle/>
+          <a:p>
+            <a:pPr>
+              <a:defRPr sz="1800" b="0" i="0" u="none" strike="noStrike">
+                <a:solidFill>
+                  <a:srgbClr val="000000"/>
+                </a:solidFill>
+                <a:latin typeface="Arial"/>
+              </a:defRPr>
+            </a:pPr>
+            <a:r>
+              <a:rPr sz="1800" b="0" i="0" u="none" strike="noStrike">
+                <a:solidFill>
+                  <a:srgbClr val="000000"/>
+                </a:solidFill>
+                <a:latin typeface="Arial"/>
+              </a:rPr>
+              <a:t>泌尿外科</a:t>
+            </a:r>
+          </a:p>
+        </c:rich>
+      </c:tx>
+      <c:layout/>
+      <c:overlay val="0"/>
+    </c:title>
+    <c:autoTitleDeleted val="0"/>
     <c:plotArea>
       <c:layout/>
       <c:radarChart>
@@ -2150,7 +2353,36 @@
 <c:chartSpace xmlns:c="http://schemas.openxmlformats.org/drawingml/2006/chart" xmlns:a="http://schemas.openxmlformats.org/drawingml/2006/main" xmlns:r="http://schemas.openxmlformats.org/officeDocument/2006/relationships">
   <c:date1904 val="0"/>
   <c:chart>
-    <c:autoTitleDeleted val="1"/>
+    <c:title>
+      <c:tx>
+        <c:rich>
+          <a:bodyPr/>
+          <a:lstStyle/>
+          <a:p>
+            <a:pPr>
+              <a:defRPr sz="1800" b="0" i="0" u="none" strike="noStrike">
+                <a:solidFill>
+                  <a:srgbClr val="000000"/>
+                </a:solidFill>
+                <a:latin typeface="Arial"/>
+              </a:defRPr>
+            </a:pPr>
+            <a:r>
+              <a:rPr sz="1800" b="0" i="0" u="none" strike="noStrike">
+                <a:solidFill>
+                  <a:srgbClr val="000000"/>
+                </a:solidFill>
+                <a:latin typeface="Arial"/>
+              </a:rPr>
+              <a:t>男科</a:t>
+            </a:r>
+          </a:p>
+        </c:rich>
+      </c:tx>
+      <c:layout/>
+      <c:overlay val="0"/>
+    </c:title>
+    <c:autoTitleDeleted val="0"/>
     <c:plotArea>
       <c:layout/>
       <c:radarChart>
@@ -2436,7 +2668,36 @@
 <c:chartSpace xmlns:c="http://schemas.openxmlformats.org/drawingml/2006/chart" xmlns:a="http://schemas.openxmlformats.org/drawingml/2006/main" xmlns:r="http://schemas.openxmlformats.org/officeDocument/2006/relationships">
   <c:date1904 val="0"/>
   <c:chart>
-    <c:autoTitleDeleted val="1"/>
+    <c:title>
+      <c:tx>
+        <c:rich>
+          <a:bodyPr/>
+          <a:lstStyle/>
+          <a:p>
+            <a:pPr>
+              <a:defRPr sz="1800" b="0" i="0" u="none" strike="noStrike">
+                <a:solidFill>
+                  <a:srgbClr val="000000"/>
+                </a:solidFill>
+                <a:latin typeface="Arial"/>
+              </a:defRPr>
+            </a:pPr>
+            <a:r>
+              <a:rPr sz="1800" b="0" i="0" u="none" strike="noStrike">
+                <a:solidFill>
+                  <a:srgbClr val="000000"/>
+                </a:solidFill>
+                <a:latin typeface="Arial"/>
+              </a:rPr>
+              <a:t>神经内科</a:t>
+            </a:r>
+          </a:p>
+        </c:rich>
+      </c:tx>
+      <c:layout/>
+      <c:overlay val="0"/>
+    </c:title>
+    <c:autoTitleDeleted val="0"/>
     <c:plotArea>
       <c:layout/>
       <c:radarChart>
@@ -2722,7 +2983,36 @@
 <c:chartSpace xmlns:c="http://schemas.openxmlformats.org/drawingml/2006/chart" xmlns:a="http://schemas.openxmlformats.org/drawingml/2006/main" xmlns:r="http://schemas.openxmlformats.org/officeDocument/2006/relationships">
   <c:date1904 val="0"/>
   <c:chart>
-    <c:autoTitleDeleted val="1"/>
+    <c:title>
+      <c:tx>
+        <c:rich>
+          <a:bodyPr/>
+          <a:lstStyle/>
+          <a:p>
+            <a:pPr>
+              <a:defRPr sz="1800" b="0" i="0" u="none" strike="noStrike">
+                <a:solidFill>
+                  <a:srgbClr val="000000"/>
+                </a:solidFill>
+                <a:latin typeface="Arial"/>
+              </a:defRPr>
+            </a:pPr>
+            <a:r>
+              <a:rPr sz="1800" b="0" i="0" u="none" strike="noStrike">
+                <a:solidFill>
+                  <a:srgbClr val="000000"/>
+                </a:solidFill>
+                <a:latin typeface="Arial"/>
+              </a:rPr>
+              <a:t>神经外科</a:t>
+            </a:r>
+          </a:p>
+        </c:rich>
+      </c:tx>
+      <c:layout/>
+      <c:overlay val="0"/>
+    </c:title>
+    <c:autoTitleDeleted val="0"/>
     <c:plotArea>
       <c:layout/>
       <c:radarChart>
@@ -3008,7 +3298,36 @@
 <c:chartSpace xmlns:c="http://schemas.openxmlformats.org/drawingml/2006/chart" xmlns:a="http://schemas.openxmlformats.org/drawingml/2006/main" xmlns:r="http://schemas.openxmlformats.org/officeDocument/2006/relationships">
   <c:date1904 val="0"/>
   <c:chart>
-    <c:autoTitleDeleted val="1"/>
+    <c:title>
+      <c:tx>
+        <c:rich>
+          <a:bodyPr/>
+          <a:lstStyle/>
+          <a:p>
+            <a:pPr>
+              <a:defRPr sz="1800" b="0" i="0" u="none" strike="noStrike">
+                <a:solidFill>
+                  <a:srgbClr val="000000"/>
+                </a:solidFill>
+                <a:latin typeface="Arial"/>
+              </a:defRPr>
+            </a:pPr>
+            <a:r>
+              <a:rPr sz="1800" b="0" i="0" u="none" strike="noStrike">
+                <a:solidFill>
+                  <a:srgbClr val="000000"/>
+                </a:solidFill>
+                <a:latin typeface="Arial"/>
+              </a:rPr>
+              <a:t>内分泌科</a:t>
+            </a:r>
+          </a:p>
+        </c:rich>
+      </c:tx>
+      <c:layout/>
+      <c:overlay val="0"/>
+    </c:title>
+    <c:autoTitleDeleted val="0"/>
     <c:plotArea>
       <c:layout/>
       <c:radarChart>
@@ -3294,7 +3613,36 @@
 <c:chartSpace xmlns:c="http://schemas.openxmlformats.org/drawingml/2006/chart" xmlns:a="http://schemas.openxmlformats.org/drawingml/2006/main" xmlns:r="http://schemas.openxmlformats.org/officeDocument/2006/relationships">
   <c:date1904 val="0"/>
   <c:chart>
-    <c:autoTitleDeleted val="1"/>
+    <c:title>
+      <c:tx>
+        <c:rich>
+          <a:bodyPr/>
+          <a:lstStyle/>
+          <a:p>
+            <a:pPr>
+              <a:defRPr sz="1800" b="0" i="0" u="none" strike="noStrike">
+                <a:solidFill>
+                  <a:srgbClr val="000000"/>
+                </a:solidFill>
+                <a:latin typeface="Arial"/>
+              </a:defRPr>
+            </a:pPr>
+            <a:r>
+              <a:rPr sz="1800" b="0" i="0" u="none" strike="noStrike">
+                <a:solidFill>
+                  <a:srgbClr val="000000"/>
+                </a:solidFill>
+                <a:latin typeface="Arial"/>
+              </a:rPr>
+              <a:t>耳鼻喉科</a:t>
+            </a:r>
+          </a:p>
+        </c:rich>
+      </c:tx>
+      <c:layout/>
+      <c:overlay val="0"/>
+    </c:title>
+    <c:autoTitleDeleted val="0"/>
     <c:plotArea>
       <c:layout/>
       <c:radarChart>
@@ -3580,7 +3928,36 @@
 <c:chartSpace xmlns:c="http://schemas.openxmlformats.org/drawingml/2006/chart" xmlns:a="http://schemas.openxmlformats.org/drawingml/2006/main" xmlns:r="http://schemas.openxmlformats.org/officeDocument/2006/relationships">
   <c:date1904 val="0"/>
   <c:chart>
-    <c:autoTitleDeleted val="1"/>
+    <c:title>
+      <c:tx>
+        <c:rich>
+          <a:bodyPr/>
+          <a:lstStyle/>
+          <a:p>
+            <a:pPr>
+              <a:defRPr sz="1800" b="0" i="0" u="none" strike="noStrike">
+                <a:solidFill>
+                  <a:srgbClr val="000000"/>
+                </a:solidFill>
+                <a:latin typeface="Arial"/>
+              </a:defRPr>
+            </a:pPr>
+            <a:r>
+              <a:rPr sz="1800" b="0" i="0" u="none" strike="noStrike">
+                <a:solidFill>
+                  <a:srgbClr val="000000"/>
+                </a:solidFill>
+                <a:latin typeface="Arial"/>
+              </a:rPr>
+              <a:t>皮肤科</a:t>
+            </a:r>
+          </a:p>
+        </c:rich>
+      </c:tx>
+      <c:layout/>
+      <c:overlay val="0"/>
+    </c:title>
+    <c:autoTitleDeleted val="0"/>
     <c:plotArea>
       <c:layout/>
       <c:radarChart>
@@ -3866,7 +4243,36 @@
 <c:chartSpace xmlns:c="http://schemas.openxmlformats.org/drawingml/2006/chart" xmlns:a="http://schemas.openxmlformats.org/drawingml/2006/main" xmlns:r="http://schemas.openxmlformats.org/officeDocument/2006/relationships">
   <c:date1904 val="0"/>
   <c:chart>
-    <c:autoTitleDeleted val="1"/>
+    <c:title>
+      <c:tx>
+        <c:rich>
+          <a:bodyPr/>
+          <a:lstStyle/>
+          <a:p>
+            <a:pPr>
+              <a:defRPr sz="1800" b="0" i="0" u="none" strike="noStrike">
+                <a:solidFill>
+                  <a:srgbClr val="000000"/>
+                </a:solidFill>
+                <a:latin typeface="Arial"/>
+              </a:defRPr>
+            </a:pPr>
+            <a:r>
+              <a:rPr sz="1800" b="0" i="0" u="none" strike="noStrike">
+                <a:solidFill>
+                  <a:srgbClr val="000000"/>
+                </a:solidFill>
+                <a:latin typeface="Arial"/>
+              </a:rPr>
+              <a:t>普内科</a:t>
+            </a:r>
+          </a:p>
+        </c:rich>
+      </c:tx>
+      <c:layout/>
+      <c:overlay val="0"/>
+    </c:title>
+    <c:autoTitleDeleted val="0"/>
     <c:plotArea>
       <c:layout/>
       <c:radarChart>
@@ -4152,7 +4558,36 @@
 <c:chartSpace xmlns:c="http://schemas.openxmlformats.org/drawingml/2006/chart" xmlns:a="http://schemas.openxmlformats.org/drawingml/2006/main" xmlns:r="http://schemas.openxmlformats.org/officeDocument/2006/relationships">
   <c:date1904 val="0"/>
   <c:chart>
-    <c:autoTitleDeleted val="1"/>
+    <c:title>
+      <c:tx>
+        <c:rich>
+          <a:bodyPr/>
+          <a:lstStyle/>
+          <a:p>
+            <a:pPr>
+              <a:defRPr sz="1800" b="0" i="0" u="none" strike="noStrike">
+                <a:solidFill>
+                  <a:srgbClr val="000000"/>
+                </a:solidFill>
+                <a:latin typeface="Arial"/>
+              </a:defRPr>
+            </a:pPr>
+            <a:r>
+              <a:rPr sz="1800" b="0" i="0" u="none" strike="noStrike">
+                <a:solidFill>
+                  <a:srgbClr val="000000"/>
+                </a:solidFill>
+                <a:latin typeface="Arial"/>
+              </a:rPr>
+              <a:t>普通外科</a:t>
+            </a:r>
+          </a:p>
+        </c:rich>
+      </c:tx>
+      <c:layout/>
+      <c:overlay val="0"/>
+    </c:title>
+    <c:autoTitleDeleted val="0"/>
     <c:plotArea>
       <c:layout/>
       <c:radarChart>
@@ -4438,7 +4873,36 @@
 <c:chartSpace xmlns:c="http://schemas.openxmlformats.org/drawingml/2006/chart" xmlns:a="http://schemas.openxmlformats.org/drawingml/2006/main" xmlns:r="http://schemas.openxmlformats.org/officeDocument/2006/relationships">
   <c:date1904 val="0"/>
   <c:chart>
-    <c:autoTitleDeleted val="1"/>
+    <c:title>
+      <c:tx>
+        <c:rich>
+          <a:bodyPr/>
+          <a:lstStyle/>
+          <a:p>
+            <a:pPr>
+              <a:defRPr sz="1800" b="0" i="0" u="none" strike="noStrike">
+                <a:solidFill>
+                  <a:srgbClr val="000000"/>
+                </a:solidFill>
+                <a:latin typeface="Arial"/>
+              </a:defRPr>
+            </a:pPr>
+            <a:r>
+              <a:rPr sz="1800" b="0" i="0" u="none" strike="noStrike">
+                <a:solidFill>
+                  <a:srgbClr val="000000"/>
+                </a:solidFill>
+                <a:latin typeface="Arial"/>
+              </a:rPr>
+              <a:t>乳腺外科</a:t>
+            </a:r>
+          </a:p>
+        </c:rich>
+      </c:tx>
+      <c:layout/>
+      <c:overlay val="0"/>
+    </c:title>
+    <c:autoTitleDeleted val="0"/>
     <c:plotArea>
       <c:layout/>
       <c:radarChart>
@@ -4724,7 +5188,36 @@
 <c:chartSpace xmlns:c="http://schemas.openxmlformats.org/drawingml/2006/chart" xmlns:a="http://schemas.openxmlformats.org/drawingml/2006/main" xmlns:r="http://schemas.openxmlformats.org/officeDocument/2006/relationships">
   <c:date1904 val="0"/>
   <c:chart>
-    <c:autoTitleDeleted val="1"/>
+    <c:title>
+      <c:tx>
+        <c:rich>
+          <a:bodyPr/>
+          <a:lstStyle/>
+          <a:p>
+            <a:pPr>
+              <a:defRPr sz="1800" b="0" i="0" u="none" strike="noStrike">
+                <a:solidFill>
+                  <a:srgbClr val="000000"/>
+                </a:solidFill>
+                <a:latin typeface="Arial"/>
+              </a:defRPr>
+            </a:pPr>
+            <a:r>
+              <a:rPr sz="1800" b="0" i="0" u="none" strike="noStrike">
+                <a:solidFill>
+                  <a:srgbClr val="000000"/>
+                </a:solidFill>
+                <a:latin typeface="Arial"/>
+              </a:rPr>
+              <a:t>肾脏内科</a:t>
+            </a:r>
+          </a:p>
+        </c:rich>
+      </c:tx>
+      <c:layout/>
+      <c:overlay val="0"/>
+    </c:title>
+    <c:autoTitleDeleted val="0"/>
     <c:plotArea>
       <c:layout/>
       <c:radarChart>
@@ -5010,7 +5503,36 @@
 <c:chartSpace xmlns:c="http://schemas.openxmlformats.org/drawingml/2006/chart" xmlns:a="http://schemas.openxmlformats.org/drawingml/2006/main" xmlns:r="http://schemas.openxmlformats.org/officeDocument/2006/relationships">
   <c:date1904 val="0"/>
   <c:chart>
-    <c:autoTitleDeleted val="1"/>
+    <c:title>
+      <c:tx>
+        <c:rich>
+          <a:bodyPr/>
+          <a:lstStyle/>
+          <a:p>
+            <a:pPr>
+              <a:defRPr sz="1800" b="0" i="0" u="none" strike="noStrike">
+                <a:solidFill>
+                  <a:srgbClr val="000000"/>
+                </a:solidFill>
+                <a:latin typeface="Arial"/>
+              </a:defRPr>
+            </a:pPr>
+            <a:r>
+              <a:rPr sz="1800" b="0" i="0" u="none" strike="noStrike">
+                <a:solidFill>
+                  <a:srgbClr val="000000"/>
+                </a:solidFill>
+                <a:latin typeface="Arial"/>
+              </a:rPr>
+              <a:t>推拿科</a:t>
+            </a:r>
+          </a:p>
+        </c:rich>
+      </c:tx>
+      <c:layout/>
+      <c:overlay val="0"/>
+    </c:title>
+    <c:autoTitleDeleted val="0"/>
     <c:plotArea>
       <c:layout/>
       <c:radarChart>
@@ -5296,7 +5818,36 @@
 <c:chartSpace xmlns:c="http://schemas.openxmlformats.org/drawingml/2006/chart" xmlns:a="http://schemas.openxmlformats.org/drawingml/2006/main" xmlns:r="http://schemas.openxmlformats.org/officeDocument/2006/relationships">
   <c:date1904 val="0"/>
   <c:chart>
-    <c:autoTitleDeleted val="1"/>
+    <c:title>
+      <c:tx>
+        <c:rich>
+          <a:bodyPr/>
+          <a:lstStyle/>
+          <a:p>
+            <a:pPr>
+              <a:defRPr sz="1800" b="0" i="0" u="none" strike="noStrike">
+                <a:solidFill>
+                  <a:srgbClr val="000000"/>
+                </a:solidFill>
+                <a:latin typeface="Arial"/>
+              </a:defRPr>
+            </a:pPr>
+            <a:r>
+              <a:rPr sz="1800" b="0" i="0" u="none" strike="noStrike">
+                <a:solidFill>
+                  <a:srgbClr val="000000"/>
+                </a:solidFill>
+                <a:latin typeface="Arial"/>
+              </a:rPr>
+              <a:t>脾胃病</a:t>
+            </a:r>
+          </a:p>
+        </c:rich>
+      </c:tx>
+      <c:layout/>
+      <c:overlay val="0"/>
+    </c:title>
+    <c:autoTitleDeleted val="0"/>
     <c:plotArea>
       <c:layout/>
       <c:radarChart>
@@ -5582,7 +6133,36 @@
 <c:chartSpace xmlns:c="http://schemas.openxmlformats.org/drawingml/2006/chart" xmlns:a="http://schemas.openxmlformats.org/drawingml/2006/main" xmlns:r="http://schemas.openxmlformats.org/officeDocument/2006/relationships">
   <c:date1904 val="0"/>
   <c:chart>
-    <c:autoTitleDeleted val="1"/>
+    <c:title>
+      <c:tx>
+        <c:rich>
+          <a:bodyPr/>
+          <a:lstStyle/>
+          <a:p>
+            <a:pPr>
+              <a:defRPr sz="1800" b="0" i="0" u="none" strike="noStrike">
+                <a:solidFill>
+                  <a:srgbClr val="000000"/>
+                </a:solidFill>
+                <a:latin typeface="Arial"/>
+              </a:defRPr>
+            </a:pPr>
+            <a:r>
+              <a:rPr sz="1800" b="0" i="0" u="none" strike="noStrike">
+                <a:solidFill>
+                  <a:srgbClr val="000000"/>
+                </a:solidFill>
+                <a:latin typeface="Arial"/>
+              </a:rPr>
+              <a:t>消化内镜</a:t>
+            </a:r>
+          </a:p>
+        </c:rich>
+      </c:tx>
+      <c:layout/>
+      <c:overlay val="0"/>
+    </c:title>
+    <c:autoTitleDeleted val="0"/>
     <c:plotArea>
       <c:layout/>
       <c:radarChart>
@@ -5868,7 +6448,36 @@
 <c:chartSpace xmlns:c="http://schemas.openxmlformats.org/drawingml/2006/chart" xmlns:a="http://schemas.openxmlformats.org/drawingml/2006/main" xmlns:r="http://schemas.openxmlformats.org/officeDocument/2006/relationships">
   <c:date1904 val="0"/>
   <c:chart>
-    <c:autoTitleDeleted val="1"/>
+    <c:title>
+      <c:tx>
+        <c:rich>
+          <a:bodyPr/>
+          <a:lstStyle/>
+          <a:p>
+            <a:pPr>
+              <a:defRPr sz="1800" b="0" i="0" u="none" strike="noStrike">
+                <a:solidFill>
+                  <a:srgbClr val="000000"/>
+                </a:solidFill>
+                <a:latin typeface="Arial"/>
+              </a:defRPr>
+            </a:pPr>
+            <a:r>
+              <a:rPr sz="1800" b="0" i="0" u="none" strike="noStrike">
+                <a:solidFill>
+                  <a:srgbClr val="000000"/>
+                </a:solidFill>
+                <a:latin typeface="Arial"/>
+              </a:rPr>
+              <a:t>心血管内科</a:t>
+            </a:r>
+          </a:p>
+        </c:rich>
+      </c:tx>
+      <c:layout/>
+      <c:overlay val="0"/>
+    </c:title>
+    <c:autoTitleDeleted val="0"/>
     <c:plotArea>
       <c:layout/>
       <c:radarChart>
@@ -6154,7 +6763,36 @@
 <c:chartSpace xmlns:c="http://schemas.openxmlformats.org/drawingml/2006/chart" xmlns:a="http://schemas.openxmlformats.org/drawingml/2006/main" xmlns:r="http://schemas.openxmlformats.org/officeDocument/2006/relationships">
   <c:date1904 val="0"/>
   <c:chart>
-    <c:autoTitleDeleted val="1"/>
+    <c:title>
+      <c:tx>
+        <c:rich>
+          <a:bodyPr/>
+          <a:lstStyle/>
+          <a:p>
+            <a:pPr>
+              <a:defRPr sz="1800" b="0" i="0" u="none" strike="noStrike">
+                <a:solidFill>
+                  <a:srgbClr val="000000"/>
+                </a:solidFill>
+                <a:latin typeface="Arial"/>
+              </a:defRPr>
+            </a:pPr>
+            <a:r>
+              <a:rPr sz="1800" b="0" i="0" u="none" strike="noStrike">
+                <a:solidFill>
+                  <a:srgbClr val="000000"/>
+                </a:solidFill>
+                <a:latin typeface="Arial"/>
+              </a:rPr>
+              <a:t>肿瘤外科</a:t>
+            </a:r>
+          </a:p>
+        </c:rich>
+      </c:tx>
+      <c:layout/>
+      <c:overlay val="0"/>
+    </c:title>
+    <c:autoTitleDeleted val="0"/>
     <c:plotArea>
       <c:layout/>
       <c:radarChart>
@@ -6440,7 +7078,36 @@
 <c:chartSpace xmlns:c="http://schemas.openxmlformats.org/drawingml/2006/chart" xmlns:a="http://schemas.openxmlformats.org/drawingml/2006/main" xmlns:r="http://schemas.openxmlformats.org/officeDocument/2006/relationships">
   <c:date1904 val="0"/>
   <c:chart>
-    <c:autoTitleDeleted val="1"/>
+    <c:title>
+      <c:tx>
+        <c:rich>
+          <a:bodyPr/>
+          <a:lstStyle/>
+          <a:p>
+            <a:pPr>
+              <a:defRPr sz="1800" b="0" i="0" u="none" strike="noStrike">
+                <a:solidFill>
+                  <a:srgbClr val="000000"/>
+                </a:solidFill>
+                <a:latin typeface="Arial"/>
+              </a:defRPr>
+            </a:pPr>
+            <a:r>
+              <a:rPr sz="1800" b="0" i="0" u="none" strike="noStrike">
+                <a:solidFill>
+                  <a:srgbClr val="000000"/>
+                </a:solidFill>
+                <a:latin typeface="Arial"/>
+              </a:rPr>
+              <a:t>放疗科</a:t>
+            </a:r>
+          </a:p>
+        </c:rich>
+      </c:tx>
+      <c:layout/>
+      <c:overlay val="0"/>
+    </c:title>
+    <c:autoTitleDeleted val="0"/>
     <c:plotArea>
       <c:layout/>
       <c:radarChart>
@@ -6726,7 +7393,36 @@
 <c:chartSpace xmlns:c="http://schemas.openxmlformats.org/drawingml/2006/chart" xmlns:a="http://schemas.openxmlformats.org/drawingml/2006/main" xmlns:r="http://schemas.openxmlformats.org/officeDocument/2006/relationships">
   <c:date1904 val="0"/>
   <c:chart>
-    <c:autoTitleDeleted val="1"/>
+    <c:title>
+      <c:tx>
+        <c:rich>
+          <a:bodyPr/>
+          <a:lstStyle/>
+          <a:p>
+            <a:pPr>
+              <a:defRPr sz="1800" b="0" i="0" u="none" strike="noStrike">
+                <a:solidFill>
+                  <a:srgbClr val="000000"/>
+                </a:solidFill>
+                <a:latin typeface="Arial"/>
+              </a:defRPr>
+            </a:pPr>
+            <a:r>
+              <a:rPr sz="1800" b="0" i="0" u="none" strike="noStrike">
+                <a:solidFill>
+                  <a:srgbClr val="000000"/>
+                </a:solidFill>
+                <a:latin typeface="Arial"/>
+              </a:rPr>
+              <a:t>心胸外科</a:t>
+            </a:r>
+          </a:p>
+        </c:rich>
+      </c:tx>
+      <c:layout/>
+      <c:overlay val="0"/>
+    </c:title>
+    <c:autoTitleDeleted val="0"/>
     <c:plotArea>
       <c:layout/>
       <c:radarChart>
@@ -7012,7 +7708,36 @@
 <c:chartSpace xmlns:c="http://schemas.openxmlformats.org/drawingml/2006/chart" xmlns:a="http://schemas.openxmlformats.org/drawingml/2006/main" xmlns:r="http://schemas.openxmlformats.org/officeDocument/2006/relationships">
   <c:date1904 val="0"/>
   <c:chart>
-    <c:autoTitleDeleted val="1"/>
+    <c:title>
+      <c:tx>
+        <c:rich>
+          <a:bodyPr/>
+          <a:lstStyle/>
+          <a:p>
+            <a:pPr>
+              <a:defRPr sz="1800" b="0" i="0" u="none" strike="noStrike">
+                <a:solidFill>
+                  <a:srgbClr val="000000"/>
+                </a:solidFill>
+                <a:latin typeface="Arial"/>
+              </a:defRPr>
+            </a:pPr>
+            <a:r>
+              <a:rPr sz="1800" b="0" i="0" u="none" strike="noStrike">
+                <a:solidFill>
+                  <a:srgbClr val="000000"/>
+                </a:solidFill>
+                <a:latin typeface="Arial"/>
+              </a:rPr>
+              <a:t>周围血管科</a:t>
+            </a:r>
+          </a:p>
+        </c:rich>
+      </c:tx>
+      <c:layout/>
+      <c:overlay val="0"/>
+    </c:title>
+    <c:autoTitleDeleted val="0"/>
     <c:plotArea>
       <c:layout/>
       <c:radarChart>
@@ -7298,7 +8023,36 @@
 <c:chartSpace xmlns:c="http://schemas.openxmlformats.org/drawingml/2006/chart" xmlns:a="http://schemas.openxmlformats.org/drawingml/2006/main" xmlns:r="http://schemas.openxmlformats.org/officeDocument/2006/relationships">
   <c:date1904 val="0"/>
   <c:chart>
-    <c:autoTitleDeleted val="1"/>
+    <c:title>
+      <c:tx>
+        <c:rich>
+          <a:bodyPr/>
+          <a:lstStyle/>
+          <a:p>
+            <a:pPr>
+              <a:defRPr sz="1800" b="0" i="0" u="none" strike="noStrike">
+                <a:solidFill>
+                  <a:srgbClr val="000000"/>
+                </a:solidFill>
+                <a:latin typeface="Arial"/>
+              </a:defRPr>
+            </a:pPr>
+            <a:r>
+              <a:rPr sz="1800" b="0" i="0" u="none" strike="noStrike">
+                <a:solidFill>
+                  <a:srgbClr val="000000"/>
+                </a:solidFill>
+                <a:latin typeface="Arial"/>
+              </a:rPr>
+              <a:t>血液科</a:t>
+            </a:r>
+          </a:p>
+        </c:rich>
+      </c:tx>
+      <c:layout/>
+      <c:overlay val="0"/>
+    </c:title>
+    <c:autoTitleDeleted val="0"/>
     <c:plotArea>
       <c:layout/>
       <c:radarChart>
@@ -7584,7 +8338,36 @@
 <c:chartSpace xmlns:c="http://schemas.openxmlformats.org/drawingml/2006/chart" xmlns:a="http://schemas.openxmlformats.org/drawingml/2006/main" xmlns:r="http://schemas.openxmlformats.org/officeDocument/2006/relationships">
   <c:date1904 val="0"/>
   <c:chart>
-    <c:autoTitleDeleted val="1"/>
+    <c:title>
+      <c:tx>
+        <c:rich>
+          <a:bodyPr/>
+          <a:lstStyle/>
+          <a:p>
+            <a:pPr>
+              <a:defRPr sz="1800" b="0" i="0" u="none" strike="noStrike">
+                <a:solidFill>
+                  <a:srgbClr val="000000"/>
+                </a:solidFill>
+                <a:latin typeface="Arial"/>
+              </a:defRPr>
+            </a:pPr>
+            <a:r>
+              <a:rPr sz="1800" b="0" i="0" u="none" strike="noStrike">
+                <a:solidFill>
+                  <a:srgbClr val="000000"/>
+                </a:solidFill>
+                <a:latin typeface="Arial"/>
+              </a:rPr>
+              <a:t>眼科</a:t>
+            </a:r>
+          </a:p>
+        </c:rich>
+      </c:tx>
+      <c:layout/>
+      <c:overlay val="0"/>
+    </c:title>
+    <c:autoTitleDeleted val="0"/>
     <c:plotArea>
       <c:layout/>
       <c:radarChart>
@@ -7870,7 +8653,36 @@
 <c:chartSpace xmlns:c="http://schemas.openxmlformats.org/drawingml/2006/chart" xmlns:a="http://schemas.openxmlformats.org/drawingml/2006/main" xmlns:r="http://schemas.openxmlformats.org/officeDocument/2006/relationships">
   <c:date1904 val="0"/>
   <c:chart>
-    <c:autoTitleDeleted val="1"/>
+    <c:title>
+      <c:tx>
+        <c:rich>
+          <a:bodyPr/>
+          <a:lstStyle/>
+          <a:p>
+            <a:pPr>
+              <a:defRPr sz="1800" b="0" i="0" u="none" strike="noStrike">
+                <a:solidFill>
+                  <a:srgbClr val="000000"/>
+                </a:solidFill>
+                <a:latin typeface="Arial"/>
+              </a:defRPr>
+            </a:pPr>
+            <a:r>
+              <a:rPr sz="1800" b="0" i="0" u="none" strike="noStrike">
+                <a:solidFill>
+                  <a:srgbClr val="000000"/>
+                </a:solidFill>
+                <a:latin typeface="Arial"/>
+              </a:rPr>
+              <a:t>针灸康复科</a:t>
+            </a:r>
+          </a:p>
+        </c:rich>
+      </c:tx>
+      <c:layout/>
+      <c:overlay val="0"/>
+    </c:title>
+    <c:autoTitleDeleted val="0"/>
     <c:plotArea>
       <c:layout/>
       <c:radarChart>
@@ -8156,7 +8968,36 @@
 <c:chartSpace xmlns:c="http://schemas.openxmlformats.org/drawingml/2006/chart" xmlns:a="http://schemas.openxmlformats.org/drawingml/2006/main" xmlns:r="http://schemas.openxmlformats.org/officeDocument/2006/relationships">
   <c:date1904 val="0"/>
   <c:chart>
-    <c:autoTitleDeleted val="1"/>
+    <c:title>
+      <c:tx>
+        <c:rich>
+          <a:bodyPr/>
+          <a:lstStyle/>
+          <a:p>
+            <a:pPr>
+              <a:defRPr sz="1800" b="0" i="0" u="none" strike="noStrike">
+                <a:solidFill>
+                  <a:srgbClr val="000000"/>
+                </a:solidFill>
+                <a:latin typeface="Arial"/>
+              </a:defRPr>
+            </a:pPr>
+            <a:r>
+              <a:rPr sz="1800" b="0" i="0" u="none" strike="noStrike">
+                <a:solidFill>
+                  <a:srgbClr val="000000"/>
+                </a:solidFill>
+                <a:latin typeface="Arial"/>
+              </a:rPr>
+              <a:t>整形外科</a:t>
+            </a:r>
+          </a:p>
+        </c:rich>
+      </c:tx>
+      <c:layout/>
+      <c:overlay val="0"/>
+    </c:title>
+    <c:autoTitleDeleted val="0"/>
     <c:plotArea>
       <c:layout/>
       <c:radarChart>
@@ -8442,7 +9283,36 @@
 <c:chartSpace xmlns:c="http://schemas.openxmlformats.org/drawingml/2006/chart" xmlns:a="http://schemas.openxmlformats.org/drawingml/2006/main" xmlns:r="http://schemas.openxmlformats.org/officeDocument/2006/relationships">
   <c:date1904 val="0"/>
   <c:chart>
-    <c:autoTitleDeleted val="1"/>
+    <c:title>
+      <c:tx>
+        <c:rich>
+          <a:bodyPr/>
+          <a:lstStyle/>
+          <a:p>
+            <a:pPr>
+              <a:defRPr sz="1800" b="0" i="0" u="none" strike="noStrike">
+                <a:solidFill>
+                  <a:srgbClr val="000000"/>
+                </a:solidFill>
+                <a:latin typeface="Arial"/>
+              </a:defRPr>
+            </a:pPr>
+            <a:r>
+              <a:rPr sz="1800" b="0" i="0" u="none" strike="noStrike">
+                <a:solidFill>
+                  <a:srgbClr val="000000"/>
+                </a:solidFill>
+                <a:latin typeface="Arial"/>
+              </a:rPr>
+              <a:t>肿瘤内科</a:t>
+            </a:r>
+          </a:p>
+        </c:rich>
+      </c:tx>
+      <c:layout/>
+      <c:overlay val="0"/>
+    </c:title>
+    <c:autoTitleDeleted val="0"/>
     <c:plotArea>
       <c:layout/>
       <c:radarChart>
@@ -8728,7 +9598,36 @@
 <c:chartSpace xmlns:c="http://schemas.openxmlformats.org/drawingml/2006/chart" xmlns:a="http://schemas.openxmlformats.org/drawingml/2006/main" xmlns:r="http://schemas.openxmlformats.org/officeDocument/2006/relationships">
   <c:date1904 val="0"/>
   <c:chart>
-    <c:autoTitleDeleted val="1"/>
+    <c:title>
+      <c:tx>
+        <c:rich>
+          <a:bodyPr/>
+          <a:lstStyle/>
+          <a:p>
+            <a:pPr>
+              <a:defRPr sz="1800" b="0" i="0" u="none" strike="noStrike">
+                <a:solidFill>
+                  <a:srgbClr val="000000"/>
+                </a:solidFill>
+                <a:latin typeface="Arial"/>
+              </a:defRPr>
+            </a:pPr>
+            <a:r>
+              <a:rPr sz="1800" b="0" i="0" u="none" strike="noStrike">
+                <a:solidFill>
+                  <a:srgbClr val="000000"/>
+                </a:solidFill>
+                <a:latin typeface="Arial"/>
+              </a:rPr>
+              <a:t>重症医学科</a:t>
+            </a:r>
+          </a:p>
+        </c:rich>
+      </c:tx>
+      <c:layout/>
+      <c:overlay val="0"/>
+    </c:title>
+    <c:autoTitleDeleted val="0"/>
     <c:plotArea>
       <c:layout/>
       <c:radarChart>
@@ -9014,7 +9913,36 @@
 <c:chartSpace xmlns:c="http://schemas.openxmlformats.org/drawingml/2006/chart" xmlns:a="http://schemas.openxmlformats.org/drawingml/2006/main" xmlns:r="http://schemas.openxmlformats.org/officeDocument/2006/relationships">
   <c:date1904 val="0"/>
   <c:chart>
-    <c:autoTitleDeleted val="1"/>
+    <c:title>
+      <c:tx>
+        <c:rich>
+          <a:bodyPr/>
+          <a:lstStyle/>
+          <a:p>
+            <a:pPr>
+              <a:defRPr sz="1800" b="0" i="0" u="none" strike="noStrike">
+                <a:solidFill>
+                  <a:srgbClr val="000000"/>
+                </a:solidFill>
+                <a:latin typeface="Arial"/>
+              </a:defRPr>
+            </a:pPr>
+            <a:r>
+              <a:rPr sz="1800" b="0" i="0" u="none" strike="noStrike">
+                <a:solidFill>
+                  <a:srgbClr val="000000"/>
+                </a:solidFill>
+                <a:latin typeface="Arial"/>
+              </a:rPr>
+              <a:t>风湿科</a:t>
+            </a:r>
+          </a:p>
+        </c:rich>
+      </c:tx>
+      <c:layout/>
+      <c:overlay val="0"/>
+    </c:title>
+    <c:autoTitleDeleted val="0"/>
     <c:plotArea>
       <c:layout/>
       <c:radarChart>
@@ -9300,7 +10228,36 @@
 <c:chartSpace xmlns:c="http://schemas.openxmlformats.org/drawingml/2006/chart" xmlns:a="http://schemas.openxmlformats.org/drawingml/2006/main" xmlns:r="http://schemas.openxmlformats.org/officeDocument/2006/relationships">
   <c:date1904 val="0"/>
   <c:chart>
-    <c:autoTitleDeleted val="1"/>
+    <c:title>
+      <c:tx>
+        <c:rich>
+          <a:bodyPr/>
+          <a:lstStyle/>
+          <a:p>
+            <a:pPr>
+              <a:defRPr sz="1800" b="0" i="0" u="none" strike="noStrike">
+                <a:solidFill>
+                  <a:srgbClr val="000000"/>
+                </a:solidFill>
+                <a:latin typeface="Arial"/>
+              </a:defRPr>
+            </a:pPr>
+            <a:r>
+              <a:rPr sz="1800" b="0" i="0" u="none" strike="noStrike">
+                <a:solidFill>
+                  <a:srgbClr val="000000"/>
+                </a:solidFill>
+                <a:latin typeface="Arial"/>
+              </a:rPr>
+              <a:t>妇科</a:t>
+            </a:r>
+          </a:p>
+        </c:rich>
+      </c:tx>
+      <c:layout/>
+      <c:overlay val="0"/>
+    </c:title>
+    <c:autoTitleDeleted val="0"/>
     <c:plotArea>
       <c:layout/>
       <c:radarChart>
@@ -9586,7 +10543,36 @@
 <c:chartSpace xmlns:c="http://schemas.openxmlformats.org/drawingml/2006/chart" xmlns:a="http://schemas.openxmlformats.org/drawingml/2006/main" xmlns:r="http://schemas.openxmlformats.org/officeDocument/2006/relationships">
   <c:date1904 val="0"/>
   <c:chart>
-    <c:autoTitleDeleted val="1"/>
+    <c:title>
+      <c:tx>
+        <c:rich>
+          <a:bodyPr/>
+          <a:lstStyle/>
+          <a:p>
+            <a:pPr>
+              <a:defRPr sz="1800" b="0" i="0" u="none" strike="noStrike">
+                <a:solidFill>
+                  <a:srgbClr val="000000"/>
+                </a:solidFill>
+                <a:latin typeface="Arial"/>
+              </a:defRPr>
+            </a:pPr>
+            <a:r>
+              <a:rPr sz="1800" b="0" i="0" u="none" strike="noStrike">
+                <a:solidFill>
+                  <a:srgbClr val="000000"/>
+                </a:solidFill>
+                <a:latin typeface="Arial"/>
+              </a:rPr>
+              <a:t>生殖医学科</a:t>
+            </a:r>
+          </a:p>
+        </c:rich>
+      </c:tx>
+      <c:layout/>
+      <c:overlay val="0"/>
+    </c:title>
+    <c:autoTitleDeleted val="0"/>
     <c:plotArea>
       <c:layout/>
       <c:radarChart>
@@ -9872,7 +10858,36 @@
 <c:chartSpace xmlns:c="http://schemas.openxmlformats.org/drawingml/2006/chart" xmlns:a="http://schemas.openxmlformats.org/drawingml/2006/main" xmlns:r="http://schemas.openxmlformats.org/officeDocument/2006/relationships">
   <c:date1904 val="0"/>
   <c:chart>
-    <c:autoTitleDeleted val="1"/>
+    <c:title>
+      <c:tx>
+        <c:rich>
+          <a:bodyPr/>
+          <a:lstStyle/>
+          <a:p>
+            <a:pPr>
+              <a:defRPr sz="1800" b="0" i="0" u="none" strike="noStrike">
+                <a:solidFill>
+                  <a:srgbClr val="000000"/>
+                </a:solidFill>
+                <a:latin typeface="Arial"/>
+              </a:defRPr>
+            </a:pPr>
+            <a:r>
+              <a:rPr sz="1800" b="0" i="0" u="none" strike="noStrike">
+                <a:solidFill>
+                  <a:srgbClr val="000000"/>
+                </a:solidFill>
+                <a:latin typeface="Arial"/>
+              </a:rPr>
+              <a:t>感染科</a:t>
+            </a:r>
+          </a:p>
+        </c:rich>
+      </c:tx>
+      <c:layout/>
+      <c:overlay val="0"/>
+    </c:title>
+    <c:autoTitleDeleted val="0"/>
     <c:plotArea>
       <c:layout/>
       <c:radarChart>
@@ -10158,7 +11173,36 @@
 <c:chartSpace xmlns:c="http://schemas.openxmlformats.org/drawingml/2006/chart" xmlns:a="http://schemas.openxmlformats.org/drawingml/2006/main" xmlns:r="http://schemas.openxmlformats.org/officeDocument/2006/relationships">
   <c:date1904 val="0"/>
   <c:chart>
-    <c:autoTitleDeleted val="1"/>
+    <c:title>
+      <c:tx>
+        <c:rich>
+          <a:bodyPr/>
+          <a:lstStyle/>
+          <a:p>
+            <a:pPr>
+              <a:defRPr sz="1800" b="0" i="0" u="none" strike="noStrike">
+                <a:solidFill>
+                  <a:srgbClr val="000000"/>
+                </a:solidFill>
+                <a:latin typeface="Arial"/>
+              </a:defRPr>
+            </a:pPr>
+            <a:r>
+              <a:rPr sz="1800" b="0" i="0" u="none" strike="noStrike">
+                <a:solidFill>
+                  <a:srgbClr val="000000"/>
+                </a:solidFill>
+                <a:latin typeface="Arial"/>
+              </a:rPr>
+              <a:t>肛肠科</a:t>
+            </a:r>
+          </a:p>
+        </c:rich>
+      </c:tx>
+      <c:layout/>
+      <c:overlay val="0"/>
+    </c:title>
+    <c:autoTitleDeleted val="0"/>
     <c:plotArea>
       <c:layout/>
       <c:radarChart>
@@ -10444,7 +11488,36 @@
 <c:chartSpace xmlns:c="http://schemas.openxmlformats.org/drawingml/2006/chart" xmlns:a="http://schemas.openxmlformats.org/drawingml/2006/main" xmlns:r="http://schemas.openxmlformats.org/officeDocument/2006/relationships">
   <c:date1904 val="0"/>
   <c:chart>
-    <c:autoTitleDeleted val="1"/>
+    <c:title>
+      <c:tx>
+        <c:rich>
+          <a:bodyPr/>
+          <a:lstStyle/>
+          <a:p>
+            <a:pPr>
+              <a:defRPr sz="1800" b="0" i="0" u="none" strike="noStrike">
+                <a:solidFill>
+                  <a:srgbClr val="000000"/>
+                </a:solidFill>
+                <a:latin typeface="Arial"/>
+              </a:defRPr>
+            </a:pPr>
+            <a:r>
+              <a:rPr sz="1800" b="0" i="0" u="none" strike="noStrike">
+                <a:solidFill>
+                  <a:srgbClr val="000000"/>
+                </a:solidFill>
+                <a:latin typeface="Arial"/>
+              </a:rPr>
+              <a:t>骨科</a:t>
+            </a:r>
+          </a:p>
+        </c:rich>
+      </c:tx>
+      <c:layout/>
+      <c:overlay val="0"/>
+    </c:title>
+    <c:autoTitleDeleted val="0"/>
     <c:plotArea>
       <c:layout/>
       <c:radarChart>

--- a/outputs/PPT/jsszyy.pptxgen.pptx
+++ b/outputs/PPT/jsszyy.pptxgen.pptx
@@ -169,7 +169,7 @@
                 </a:solidFill>
                 <a:latin typeface="Arial"/>
               </a:rPr>
-              <a:t>儿内科</a:t>
+              <a:t>callbacks</a:t>
             </a:r>
           </a:p>
         </c:rich>
@@ -484,7 +484,7 @@
                 </a:solidFill>
                 <a:latin typeface="Arial"/>
               </a:rPr>
-              <a:t>呼吸内科</a:t>
+              <a:t>callbacks</a:t>
             </a:r>
           </a:p>
         </c:rich>
@@ -799,7 +799,7 @@
                 </a:solidFill>
                 <a:latin typeface="Arial"/>
               </a:rPr>
-              <a:t>急诊科</a:t>
+              <a:t>callbacks</a:t>
             </a:r>
           </a:p>
         </c:rich>
@@ -1114,7 +1114,7 @@
                 </a:solidFill>
                 <a:latin typeface="Arial"/>
               </a:rPr>
-              <a:t>口腔科</a:t>
+              <a:t>callbacks</a:t>
             </a:r>
           </a:p>
         </c:rich>
@@ -1429,7 +1429,7 @@
                 </a:solidFill>
                 <a:latin typeface="Arial"/>
               </a:rPr>
-              <a:t>老年医学科</a:t>
+              <a:t>callbacks</a:t>
             </a:r>
           </a:p>
         </c:rich>
@@ -1744,7 +1744,7 @@
                 </a:solidFill>
                 <a:latin typeface="Arial"/>
               </a:rPr>
-              <a:t>麻醉科</a:t>
+              <a:t>callbacks</a:t>
             </a:r>
           </a:p>
         </c:rich>
@@ -2059,7 +2059,7 @@
                 </a:solidFill>
                 <a:latin typeface="Arial"/>
               </a:rPr>
-              <a:t>泌尿外科</a:t>
+              <a:t>callbacks</a:t>
             </a:r>
           </a:p>
         </c:rich>
@@ -2374,7 +2374,7 @@
                 </a:solidFill>
                 <a:latin typeface="Arial"/>
               </a:rPr>
-              <a:t>男科</a:t>
+              <a:t>callbacks</a:t>
             </a:r>
           </a:p>
         </c:rich>
@@ -2689,7 +2689,7 @@
                 </a:solidFill>
                 <a:latin typeface="Arial"/>
               </a:rPr>
-              <a:t>神经内科</a:t>
+              <a:t>callbacks</a:t>
             </a:r>
           </a:p>
         </c:rich>
@@ -3004,7 +3004,7 @@
                 </a:solidFill>
                 <a:latin typeface="Arial"/>
               </a:rPr>
-              <a:t>神经外科</a:t>
+              <a:t>callbacks</a:t>
             </a:r>
           </a:p>
         </c:rich>
@@ -3319,7 +3319,7 @@
                 </a:solidFill>
                 <a:latin typeface="Arial"/>
               </a:rPr>
-              <a:t>内分泌科</a:t>
+              <a:t>callbacks</a:t>
             </a:r>
           </a:p>
         </c:rich>
@@ -3634,7 +3634,7 @@
                 </a:solidFill>
                 <a:latin typeface="Arial"/>
               </a:rPr>
-              <a:t>耳鼻喉科</a:t>
+              <a:t>callbacks</a:t>
             </a:r>
           </a:p>
         </c:rich>
@@ -3949,7 +3949,7 @@
                 </a:solidFill>
                 <a:latin typeface="Arial"/>
               </a:rPr>
-              <a:t>皮肤科</a:t>
+              <a:t>callbacks</a:t>
             </a:r>
           </a:p>
         </c:rich>
@@ -4264,7 +4264,7 @@
                 </a:solidFill>
                 <a:latin typeface="Arial"/>
               </a:rPr>
-              <a:t>普内科</a:t>
+              <a:t>callbacks</a:t>
             </a:r>
           </a:p>
         </c:rich>
@@ -4579,7 +4579,7 @@
                 </a:solidFill>
                 <a:latin typeface="Arial"/>
               </a:rPr>
-              <a:t>普通外科</a:t>
+              <a:t>callbacks</a:t>
             </a:r>
           </a:p>
         </c:rich>
@@ -4894,7 +4894,7 @@
                 </a:solidFill>
                 <a:latin typeface="Arial"/>
               </a:rPr>
-              <a:t>乳腺外科</a:t>
+              <a:t>callbacks</a:t>
             </a:r>
           </a:p>
         </c:rich>
@@ -5209,7 +5209,7 @@
                 </a:solidFill>
                 <a:latin typeface="Arial"/>
               </a:rPr>
-              <a:t>肾脏内科</a:t>
+              <a:t>callbacks</a:t>
             </a:r>
           </a:p>
         </c:rich>
@@ -5524,7 +5524,7 @@
                 </a:solidFill>
                 <a:latin typeface="Arial"/>
               </a:rPr>
-              <a:t>推拿科</a:t>
+              <a:t>callbacks</a:t>
             </a:r>
           </a:p>
         </c:rich>
@@ -5839,7 +5839,7 @@
                 </a:solidFill>
                 <a:latin typeface="Arial"/>
               </a:rPr>
-              <a:t>脾胃病</a:t>
+              <a:t>callbacks</a:t>
             </a:r>
           </a:p>
         </c:rich>
@@ -6154,7 +6154,7 @@
                 </a:solidFill>
                 <a:latin typeface="Arial"/>
               </a:rPr>
-              <a:t>消化内镜</a:t>
+              <a:t>callbacks</a:t>
             </a:r>
           </a:p>
         </c:rich>
@@ -6469,7 +6469,7 @@
                 </a:solidFill>
                 <a:latin typeface="Arial"/>
               </a:rPr>
-              <a:t>心血管内科</a:t>
+              <a:t>callbacks</a:t>
             </a:r>
           </a:p>
         </c:rich>
@@ -6784,7 +6784,7 @@
                 </a:solidFill>
                 <a:latin typeface="Arial"/>
               </a:rPr>
-              <a:t>肿瘤外科</a:t>
+              <a:t>callbacks</a:t>
             </a:r>
           </a:p>
         </c:rich>
@@ -7099,7 +7099,7 @@
                 </a:solidFill>
                 <a:latin typeface="Arial"/>
               </a:rPr>
-              <a:t>放疗科</a:t>
+              <a:t>callbacks</a:t>
             </a:r>
           </a:p>
         </c:rich>
@@ -7414,7 +7414,7 @@
                 </a:solidFill>
                 <a:latin typeface="Arial"/>
               </a:rPr>
-              <a:t>心胸外科</a:t>
+              <a:t>callbacks</a:t>
             </a:r>
           </a:p>
         </c:rich>
@@ -7729,7 +7729,7 @@
                 </a:solidFill>
                 <a:latin typeface="Arial"/>
               </a:rPr>
-              <a:t>周围血管科</a:t>
+              <a:t>callbacks</a:t>
             </a:r>
           </a:p>
         </c:rich>
@@ -8044,7 +8044,7 @@
                 </a:solidFill>
                 <a:latin typeface="Arial"/>
               </a:rPr>
-              <a:t>血液科</a:t>
+              <a:t>callbacks</a:t>
             </a:r>
           </a:p>
         </c:rich>
@@ -8359,7 +8359,7 @@
                 </a:solidFill>
                 <a:latin typeface="Arial"/>
               </a:rPr>
-              <a:t>眼科</a:t>
+              <a:t>callbacks</a:t>
             </a:r>
           </a:p>
         </c:rich>
@@ -8674,7 +8674,7 @@
                 </a:solidFill>
                 <a:latin typeface="Arial"/>
               </a:rPr>
-              <a:t>针灸康复科</a:t>
+              <a:t>callbacks</a:t>
             </a:r>
           </a:p>
         </c:rich>
@@ -8989,7 +8989,7 @@
                 </a:solidFill>
                 <a:latin typeface="Arial"/>
               </a:rPr>
-              <a:t>整形外科</a:t>
+              <a:t>callbacks</a:t>
             </a:r>
           </a:p>
         </c:rich>
@@ -9304,7 +9304,7 @@
                 </a:solidFill>
                 <a:latin typeface="Arial"/>
               </a:rPr>
-              <a:t>肿瘤内科</a:t>
+              <a:t>callbacks</a:t>
             </a:r>
           </a:p>
         </c:rich>
@@ -9619,7 +9619,7 @@
                 </a:solidFill>
                 <a:latin typeface="Arial"/>
               </a:rPr>
-              <a:t>重症医学科</a:t>
+              <a:t>callbacks</a:t>
             </a:r>
           </a:p>
         </c:rich>
@@ -9934,7 +9934,7 @@
                 </a:solidFill>
                 <a:latin typeface="Arial"/>
               </a:rPr>
-              <a:t>风湿科</a:t>
+              <a:t>callbacks</a:t>
             </a:r>
           </a:p>
         </c:rich>
@@ -10249,7 +10249,7 @@
                 </a:solidFill>
                 <a:latin typeface="Arial"/>
               </a:rPr>
-              <a:t>妇科</a:t>
+              <a:t>callbacks</a:t>
             </a:r>
           </a:p>
         </c:rich>
@@ -10564,7 +10564,7 @@
                 </a:solidFill>
                 <a:latin typeface="Arial"/>
               </a:rPr>
-              <a:t>生殖医学科</a:t>
+              <a:t>callbacks</a:t>
             </a:r>
           </a:p>
         </c:rich>
@@ -10879,7 +10879,7 @@
                 </a:solidFill>
                 <a:latin typeface="Arial"/>
               </a:rPr>
-              <a:t>感染科</a:t>
+              <a:t>callbacks</a:t>
             </a:r>
           </a:p>
         </c:rich>
@@ -11194,7 +11194,7 @@
                 </a:solidFill>
                 <a:latin typeface="Arial"/>
               </a:rPr>
-              <a:t>肛肠科</a:t>
+              <a:t>callbacks</a:t>
             </a:r>
           </a:p>
         </c:rich>
@@ -11509,7 +11509,7 @@
                 </a:solidFill>
                 <a:latin typeface="Arial"/>
               </a:rPr>
-              <a:t>骨科</a:t>
+              <a:t>callbacks</a:t>
             </a:r>
           </a:p>
         </c:rich>

--- a/outputs/PPT/jsszyy.pptxgen.pptx
+++ b/outputs/PPT/jsszyy.pptxgen.pptx
@@ -169,7 +169,7 @@
                 </a:solidFill>
                 <a:latin typeface="Arial"/>
               </a:rPr>
-              <a:t>callbacks</a:t>
+              <a:t>儿内科</a:t>
             </a:r>
           </a:p>
         </c:rich>
@@ -484,7 +484,7 @@
                 </a:solidFill>
                 <a:latin typeface="Arial"/>
               </a:rPr>
-              <a:t>callbacks</a:t>
+              <a:t>呼吸内科</a:t>
             </a:r>
           </a:p>
         </c:rich>
@@ -799,7 +799,7 @@
                 </a:solidFill>
                 <a:latin typeface="Arial"/>
               </a:rPr>
-              <a:t>callbacks</a:t>
+              <a:t>急诊科</a:t>
             </a:r>
           </a:p>
         </c:rich>
@@ -1114,7 +1114,7 @@
                 </a:solidFill>
                 <a:latin typeface="Arial"/>
               </a:rPr>
-              <a:t>callbacks</a:t>
+              <a:t>口腔科</a:t>
             </a:r>
           </a:p>
         </c:rich>
@@ -1429,7 +1429,7 @@
                 </a:solidFill>
                 <a:latin typeface="Arial"/>
               </a:rPr>
-              <a:t>callbacks</a:t>
+              <a:t>老年医学科</a:t>
             </a:r>
           </a:p>
         </c:rich>
@@ -1744,7 +1744,7 @@
                 </a:solidFill>
                 <a:latin typeface="Arial"/>
               </a:rPr>
-              <a:t>callbacks</a:t>
+              <a:t>麻醉科</a:t>
             </a:r>
           </a:p>
         </c:rich>
@@ -2059,7 +2059,7 @@
                 </a:solidFill>
                 <a:latin typeface="Arial"/>
               </a:rPr>
-              <a:t>callbacks</a:t>
+              <a:t>泌尿外科</a:t>
             </a:r>
           </a:p>
         </c:rich>
@@ -2374,7 +2374,7 @@
                 </a:solidFill>
                 <a:latin typeface="Arial"/>
               </a:rPr>
-              <a:t>callbacks</a:t>
+              <a:t>男科</a:t>
             </a:r>
           </a:p>
         </c:rich>
@@ -2689,7 +2689,7 @@
                 </a:solidFill>
                 <a:latin typeface="Arial"/>
               </a:rPr>
-              <a:t>callbacks</a:t>
+              <a:t>神经内科</a:t>
             </a:r>
           </a:p>
         </c:rich>
@@ -3004,7 +3004,7 @@
                 </a:solidFill>
                 <a:latin typeface="Arial"/>
               </a:rPr>
-              <a:t>callbacks</a:t>
+              <a:t>神经外科</a:t>
             </a:r>
           </a:p>
         </c:rich>
@@ -3319,7 +3319,7 @@
                 </a:solidFill>
                 <a:latin typeface="Arial"/>
               </a:rPr>
-              <a:t>callbacks</a:t>
+              <a:t>内分泌科</a:t>
             </a:r>
           </a:p>
         </c:rich>
@@ -3634,7 +3634,7 @@
                 </a:solidFill>
                 <a:latin typeface="Arial"/>
               </a:rPr>
-              <a:t>callbacks</a:t>
+              <a:t>耳鼻喉科</a:t>
             </a:r>
           </a:p>
         </c:rich>
@@ -3949,7 +3949,7 @@
                 </a:solidFill>
                 <a:latin typeface="Arial"/>
               </a:rPr>
-              <a:t>callbacks</a:t>
+              <a:t>皮肤科</a:t>
             </a:r>
           </a:p>
         </c:rich>
@@ -4264,7 +4264,7 @@
                 </a:solidFill>
                 <a:latin typeface="Arial"/>
               </a:rPr>
-              <a:t>callbacks</a:t>
+              <a:t>普内科</a:t>
             </a:r>
           </a:p>
         </c:rich>
@@ -4579,7 +4579,7 @@
                 </a:solidFill>
                 <a:latin typeface="Arial"/>
               </a:rPr>
-              <a:t>callbacks</a:t>
+              <a:t>普通外科</a:t>
             </a:r>
           </a:p>
         </c:rich>
@@ -4894,7 +4894,7 @@
                 </a:solidFill>
                 <a:latin typeface="Arial"/>
               </a:rPr>
-              <a:t>callbacks</a:t>
+              <a:t>乳腺外科</a:t>
             </a:r>
           </a:p>
         </c:rich>
@@ -5209,7 +5209,7 @@
                 </a:solidFill>
                 <a:latin typeface="Arial"/>
               </a:rPr>
-              <a:t>callbacks</a:t>
+              <a:t>肾脏内科</a:t>
             </a:r>
           </a:p>
         </c:rich>
@@ -5524,7 +5524,7 @@
                 </a:solidFill>
                 <a:latin typeface="Arial"/>
               </a:rPr>
-              <a:t>callbacks</a:t>
+              <a:t>推拿科</a:t>
             </a:r>
           </a:p>
         </c:rich>
@@ -5839,7 +5839,7 @@
                 </a:solidFill>
                 <a:latin typeface="Arial"/>
               </a:rPr>
-              <a:t>callbacks</a:t>
+              <a:t>脾胃病</a:t>
             </a:r>
           </a:p>
         </c:rich>
@@ -6154,7 +6154,7 @@
                 </a:solidFill>
                 <a:latin typeface="Arial"/>
               </a:rPr>
-              <a:t>callbacks</a:t>
+              <a:t>消化内镜</a:t>
             </a:r>
           </a:p>
         </c:rich>
@@ -6469,7 +6469,7 @@
                 </a:solidFill>
                 <a:latin typeface="Arial"/>
               </a:rPr>
-              <a:t>callbacks</a:t>
+              <a:t>心血管内科</a:t>
             </a:r>
           </a:p>
         </c:rich>
@@ -6784,7 +6784,7 @@
                 </a:solidFill>
                 <a:latin typeface="Arial"/>
               </a:rPr>
-              <a:t>callbacks</a:t>
+              <a:t>肿瘤外科</a:t>
             </a:r>
           </a:p>
         </c:rich>
@@ -7099,7 +7099,7 @@
                 </a:solidFill>
                 <a:latin typeface="Arial"/>
               </a:rPr>
-              <a:t>callbacks</a:t>
+              <a:t>放疗科</a:t>
             </a:r>
           </a:p>
         </c:rich>
@@ -7414,7 +7414,7 @@
                 </a:solidFill>
                 <a:latin typeface="Arial"/>
               </a:rPr>
-              <a:t>callbacks</a:t>
+              <a:t>心胸外科</a:t>
             </a:r>
           </a:p>
         </c:rich>
@@ -7729,7 +7729,7 @@
                 </a:solidFill>
                 <a:latin typeface="Arial"/>
               </a:rPr>
-              <a:t>callbacks</a:t>
+              <a:t>周围血管科</a:t>
             </a:r>
           </a:p>
         </c:rich>
@@ -8044,7 +8044,7 @@
                 </a:solidFill>
                 <a:latin typeface="Arial"/>
               </a:rPr>
-              <a:t>callbacks</a:t>
+              <a:t>血液科</a:t>
             </a:r>
           </a:p>
         </c:rich>
@@ -8359,7 +8359,7 @@
                 </a:solidFill>
                 <a:latin typeface="Arial"/>
               </a:rPr>
-              <a:t>callbacks</a:t>
+              <a:t>眼科</a:t>
             </a:r>
           </a:p>
         </c:rich>
@@ -8674,7 +8674,7 @@
                 </a:solidFill>
                 <a:latin typeface="Arial"/>
               </a:rPr>
-              <a:t>callbacks</a:t>
+              <a:t>针灸康复科</a:t>
             </a:r>
           </a:p>
         </c:rich>
@@ -8989,7 +8989,7 @@
                 </a:solidFill>
                 <a:latin typeface="Arial"/>
               </a:rPr>
-              <a:t>callbacks</a:t>
+              <a:t>整形外科</a:t>
             </a:r>
           </a:p>
         </c:rich>
@@ -9304,7 +9304,7 @@
                 </a:solidFill>
                 <a:latin typeface="Arial"/>
               </a:rPr>
-              <a:t>callbacks</a:t>
+              <a:t>肿瘤内科</a:t>
             </a:r>
           </a:p>
         </c:rich>
@@ -9619,7 +9619,7 @@
                 </a:solidFill>
                 <a:latin typeface="Arial"/>
               </a:rPr>
-              <a:t>callbacks</a:t>
+              <a:t>重症医学科</a:t>
             </a:r>
           </a:p>
         </c:rich>
@@ -9934,7 +9934,7 @@
                 </a:solidFill>
                 <a:latin typeface="Arial"/>
               </a:rPr>
-              <a:t>callbacks</a:t>
+              <a:t>风湿科</a:t>
             </a:r>
           </a:p>
         </c:rich>
@@ -10249,7 +10249,7 @@
                 </a:solidFill>
                 <a:latin typeface="Arial"/>
               </a:rPr>
-              <a:t>callbacks</a:t>
+              <a:t>妇科</a:t>
             </a:r>
           </a:p>
         </c:rich>
@@ -10564,7 +10564,7 @@
                 </a:solidFill>
                 <a:latin typeface="Arial"/>
               </a:rPr>
-              <a:t>callbacks</a:t>
+              <a:t>生殖医学科</a:t>
             </a:r>
           </a:p>
         </c:rich>
@@ -10879,7 +10879,7 @@
                 </a:solidFill>
                 <a:latin typeface="Arial"/>
               </a:rPr>
-              <a:t>callbacks</a:t>
+              <a:t>感染科</a:t>
             </a:r>
           </a:p>
         </c:rich>
@@ -11194,7 +11194,7 @@
                 </a:solidFill>
                 <a:latin typeface="Arial"/>
               </a:rPr>
-              <a:t>callbacks</a:t>
+              <a:t>肛肠科</a:t>
             </a:r>
           </a:p>
         </c:rich>
@@ -11509,7 +11509,7 @@
                 </a:solidFill>
                 <a:latin typeface="Arial"/>
               </a:rPr>
-              <a:t>callbacks</a:t>
+              <a:t>骨科</a:t>
             </a:r>
           </a:p>
         </c:rich>
